--- a/Session 2/Presentation2.pptx
+++ b/Session 2/Presentation2.pptx
@@ -8274,6 +8274,13 @@
   <p:clrMapOvr>
     <a:masterClrMapping/>
   </p:clrMapOvr>
+  <p:timing>
+    <p:tnLst>
+      <p:par>
+        <p:cTn id="1" dur="indefinite" restart="never" nodeType="tmRoot"/>
+      </p:par>
+    </p:tnLst>
+  </p:timing>
 </p:sld>
 </file>
 
@@ -8500,6 +8507,13 @@
   <p:clrMapOvr>
     <a:masterClrMapping/>
   </p:clrMapOvr>
+  <p:timing>
+    <p:tnLst>
+      <p:par>
+        <p:cTn id="1" dur="indefinite" restart="never" nodeType="tmRoot"/>
+      </p:par>
+    </p:tnLst>
+  </p:timing>
 </p:sld>
 </file>
 
@@ -8528,7 +8542,7 @@
         </p:nvSpPr>
         <p:spPr>
           <a:xfrm>
-            <a:off x="-169334" y="0"/>
+            <a:off x="0" y="0"/>
             <a:ext cx="12192000" cy="1666732"/>
           </a:xfrm>
           <a:prstGeom prst="rect">
@@ -8951,7 +8965,15 @@
             </a:pPr>
             <a:r>
               <a:rPr lang="en-US" sz="2400" dirty="0" smtClean="0"/>
-              <a:t>Change the widths to your middle column cells in the table, to take 50% of the row width, hint: use classes.</a:t>
+              <a:t>Change the column width to fit the page, and </a:t>
+            </a:r>
+            <a:r>
+              <a:rPr lang="en-US" sz="2400" dirty="0" err="1" smtClean="0"/>
+              <a:t>bg</a:t>
+            </a:r>
+            <a:r>
+              <a:rPr lang="en-US" sz="2400" dirty="0" smtClean="0"/>
+              <a:t>-color the middle rows black and font white. (hint: use classes) , then add borders to it.</a:t>
             </a:r>
           </a:p>
         </p:txBody>
@@ -9115,7 +9137,15 @@
             </a:pPr>
             <a:r>
               <a:rPr lang="en-US" sz="2400" dirty="0" smtClean="0"/>
-              <a:t>Add a border to your header, color blue, solid, 3 </a:t>
+              <a:t>Add a border to your </a:t>
+            </a:r>
+            <a:r>
+              <a:rPr lang="en-US" sz="2400" dirty="0" err="1" smtClean="0"/>
+              <a:t>navbar</a:t>
+            </a:r>
+            <a:r>
+              <a:rPr lang="en-US" sz="2400" dirty="0" smtClean="0"/>
+              <a:t>, color blue, solid, 3 </a:t>
             </a:r>
             <a:r>
               <a:rPr lang="en-US" sz="2400" dirty="0" err="1" smtClean="0"/>
